--- a/Communication between microservices.pptx
+++ b/Communication between microservices.pptx
@@ -17,14 +17,18 @@
     <p:sldId id="275" r:id="rId11"/>
     <p:sldId id="276" r:id="rId12"/>
     <p:sldId id="277" r:id="rId13"/>
-    <p:sldId id="271" r:id="rId14"/>
-    <p:sldId id="270" r:id="rId15"/>
-    <p:sldId id="269" r:id="rId16"/>
-    <p:sldId id="260" r:id="rId17"/>
-    <p:sldId id="261" r:id="rId18"/>
-    <p:sldId id="263" r:id="rId19"/>
-    <p:sldId id="264" r:id="rId20"/>
-    <p:sldId id="262" r:id="rId21"/>
+    <p:sldId id="281" r:id="rId14"/>
+    <p:sldId id="278" r:id="rId15"/>
+    <p:sldId id="279" r:id="rId16"/>
+    <p:sldId id="280" r:id="rId17"/>
+    <p:sldId id="271" r:id="rId18"/>
+    <p:sldId id="270" r:id="rId19"/>
+    <p:sldId id="269" r:id="rId20"/>
+    <p:sldId id="260" r:id="rId21"/>
+    <p:sldId id="261" r:id="rId22"/>
+    <p:sldId id="263" r:id="rId23"/>
+    <p:sldId id="264" r:id="rId24"/>
+    <p:sldId id="262" r:id="rId25"/>
   </p:sldIdLst>
   <p:sldSz cx="12192000" cy="6858000"/>
   <p:notesSz cx="6858000" cy="9144000"/>
@@ -136,7 +140,7 @@
   <p1510:revLst>
     <p1510:client id="{0C38E3B9-E905-40F3-9B88-9E7489F31002}" v="342" dt="2023-01-01T15:20:30.699"/>
     <p1510:client id="{7B7EA43E-F395-4089-9BF9-5498FA71E805}" v="590" dt="2022-12-28T16:50:52.424"/>
-    <p1510:client id="{B8FF6B60-3F38-4D4D-8A1F-85CE8631D3A0}" v="615" dt="2023-01-15T15:37:55.300"/>
+    <p1510:client id="{B8FF6B60-3F38-4D4D-8A1F-85CE8631D3A0}" v="734" dt="2023-01-15T15:46:16.670"/>
   </p1510:revLst>
 </p1510:revInfo>
 </file>
@@ -7305,6 +7309,389 @@
 <file path=ppt/slides/slide12.xml><?xml version="1.0" encoding="utf-8"?>
 <p:sld xmlns:a="http://schemas.openxmlformats.org/drawingml/2006/main" xmlns:r="http://schemas.openxmlformats.org/officeDocument/2006/relationships" xmlns:p="http://schemas.openxmlformats.org/presentationml/2006/main">
   <p:cSld>
+    <p:spTree>
+      <p:nvGrpSpPr>
+        <p:cNvPr id="1" name=""/>
+        <p:cNvGrpSpPr/>
+        <p:nvPr/>
+      </p:nvGrpSpPr>
+      <p:grpSpPr>
+        <a:xfrm>
+          <a:off x="0" y="0"/>
+          <a:ext cx="0" cy="0"/>
+          <a:chOff x="0" y="0"/>
+          <a:chExt cx="0" cy="0"/>
+        </a:xfrm>
+      </p:grpSpPr>
+      <p:sp>
+        <p:nvSpPr>
+          <p:cNvPr id="2" name="標題 1">
+            <a:extLst>
+              <a:ext uri="{FF2B5EF4-FFF2-40B4-BE49-F238E27FC236}">
+                <a16:creationId xmlns:a16="http://schemas.microsoft.com/office/drawing/2014/main" id="{EAD7BCD0-5B0C-C638-91DE-57B33B8C88BF}"/>
+              </a:ext>
+            </a:extLst>
+          </p:cNvPr>
+          <p:cNvSpPr>
+            <a:spLocks noGrp="1"/>
+          </p:cNvSpPr>
+          <p:nvPr>
+            <p:ph type="title"/>
+          </p:nvPr>
+        </p:nvSpPr>
+        <p:spPr/>
+        <p:txBody>
+          <a:bodyPr/>
+          <a:lstStyle/>
+          <a:p>
+            <a:endParaRPr lang="zh-TW" altLang="en-US"/>
+          </a:p>
+        </p:txBody>
+      </p:sp>
+      <p:pic>
+        <p:nvPicPr>
+          <p:cNvPr id="4" name="圖片 4">
+            <a:extLst>
+              <a:ext uri="{FF2B5EF4-FFF2-40B4-BE49-F238E27FC236}">
+                <a16:creationId xmlns:a16="http://schemas.microsoft.com/office/drawing/2014/main" id="{B52C43BF-83A6-E0D1-C470-2A59BD3F1522}"/>
+              </a:ext>
+            </a:extLst>
+          </p:cNvPr>
+          <p:cNvPicPr>
+            <a:picLocks noGrp="1" noChangeAspect="1"/>
+          </p:cNvPicPr>
+          <p:nvPr>
+            <p:ph idx="1"/>
+          </p:nvPr>
+        </p:nvPicPr>
+        <p:blipFill>
+          <a:blip r:embed="rId2"/>
+          <a:stretch>
+            <a:fillRect/>
+          </a:stretch>
+        </p:blipFill>
+        <p:spPr>
+          <a:xfrm>
+            <a:off x="3076243" y="1825625"/>
+            <a:ext cx="6039513" cy="4351338"/>
+          </a:xfrm>
+        </p:spPr>
+      </p:pic>
+    </p:spTree>
+    <p:extLst>
+      <p:ext uri="{BB962C8B-B14F-4D97-AF65-F5344CB8AC3E}">
+        <p14:creationId xmlns:p14="http://schemas.microsoft.com/office/powerpoint/2010/main" val="3405100060"/>
+      </p:ext>
+    </p:extLst>
+  </p:cSld>
+  <p:clrMapOvr>
+    <a:masterClrMapping/>
+  </p:clrMapOvr>
+</p:sld>
+</file>
+
+<file path=ppt/slides/slide13.xml><?xml version="1.0" encoding="utf-8"?>
+<p:sld xmlns:a="http://schemas.openxmlformats.org/drawingml/2006/main" xmlns:r="http://schemas.openxmlformats.org/officeDocument/2006/relationships" xmlns:p="http://schemas.openxmlformats.org/presentationml/2006/main">
+  <p:cSld>
+    <p:spTree>
+      <p:nvGrpSpPr>
+        <p:cNvPr id="1" name=""/>
+        <p:cNvGrpSpPr/>
+        <p:nvPr/>
+      </p:nvGrpSpPr>
+      <p:grpSpPr>
+        <a:xfrm>
+          <a:off x="0" y="0"/>
+          <a:ext cx="0" cy="0"/>
+          <a:chOff x="0" y="0"/>
+          <a:chExt cx="0" cy="0"/>
+        </a:xfrm>
+      </p:grpSpPr>
+      <p:sp>
+        <p:nvSpPr>
+          <p:cNvPr id="2" name="標題 1">
+            <a:extLst>
+              <a:ext uri="{FF2B5EF4-FFF2-40B4-BE49-F238E27FC236}">
+                <a16:creationId xmlns:a16="http://schemas.microsoft.com/office/drawing/2014/main" id="{3B1917A1-6359-9A2F-C613-FAC1CE0825E3}"/>
+              </a:ext>
+            </a:extLst>
+          </p:cNvPr>
+          <p:cNvSpPr>
+            <a:spLocks noGrp="1"/>
+          </p:cNvSpPr>
+          <p:nvPr>
+            <p:ph type="title"/>
+          </p:nvPr>
+        </p:nvSpPr>
+        <p:spPr/>
+        <p:txBody>
+          <a:bodyPr/>
+          <a:lstStyle/>
+          <a:p>
+            <a:r>
+              <a:rPr lang="zh-TW" altLang="en-US">
+                <a:ea typeface="新細明體"/>
+                <a:cs typeface="Calibri Light"/>
+              </a:rPr>
+              <a:t>Short summary</a:t>
+            </a:r>
+            <a:endParaRPr lang="zh-TW" altLang="en-US"/>
+          </a:p>
+        </p:txBody>
+      </p:sp>
+      <p:sp>
+        <p:nvSpPr>
+          <p:cNvPr id="3" name="內容版面配置區 2">
+            <a:extLst>
+              <a:ext uri="{FF2B5EF4-FFF2-40B4-BE49-F238E27FC236}">
+                <a16:creationId xmlns:a16="http://schemas.microsoft.com/office/drawing/2014/main" id="{7D9F0FCC-F865-C0AD-47B9-B29825248CD1}"/>
+              </a:ext>
+            </a:extLst>
+          </p:cNvPr>
+          <p:cNvSpPr>
+            <a:spLocks noGrp="1"/>
+          </p:cNvSpPr>
+          <p:nvPr>
+            <p:ph idx="1"/>
+          </p:nvPr>
+        </p:nvSpPr>
+        <p:spPr/>
+        <p:txBody>
+          <a:bodyPr vert="horz" lIns="91440" tIns="45720" rIns="91440" bIns="45720" rtlCol="0" anchor="t">
+            <a:normAutofit/>
+          </a:bodyPr>
+          <a:lstStyle/>
+          <a:p>
+            <a:r>
+              <a:rPr lang="zh-TW" altLang="en-US">
+                <a:ea typeface="新細明體"/>
+                <a:cs typeface="Calibri"/>
+              </a:rPr>
+              <a:t>We can apply different approach in our system</a:t>
+            </a:r>
+            <a:endParaRPr lang="zh-TW" altLang="en-US">
+              <a:ea typeface="新細明體" panose="02020500000000000000" pitchFamily="18" charset="-120"/>
+              <a:cs typeface="Calibri"/>
+            </a:endParaRPr>
+          </a:p>
+          <a:p>
+            <a:pPr lvl="1"/>
+            <a:r>
+              <a:rPr lang="zh-TW" altLang="en-US">
+                <a:ea typeface="新細明體"/>
+                <a:cs typeface="Calibri"/>
+              </a:rPr>
+              <a:t>Querying data, creating data, and etc. can apply different pattern</a:t>
+            </a:r>
+          </a:p>
+          <a:p>
+            <a:r>
+              <a:rPr lang="zh-TW" altLang="en-US">
+                <a:ea typeface="新細明體"/>
+                <a:cs typeface="Calibri"/>
+              </a:rPr>
+              <a:t>CQRS and event driven bus</a:t>
+            </a:r>
+            <a:endParaRPr lang="zh-TW" altLang="en-US" dirty="0">
+              <a:ea typeface="新細明體"/>
+              <a:cs typeface="Calibri"/>
+            </a:endParaRPr>
+          </a:p>
+        </p:txBody>
+      </p:sp>
+    </p:spTree>
+    <p:extLst>
+      <p:ext uri="{BB962C8B-B14F-4D97-AF65-F5344CB8AC3E}">
+        <p14:creationId xmlns:p14="http://schemas.microsoft.com/office/powerpoint/2010/main" val="4261568479"/>
+      </p:ext>
+    </p:extLst>
+  </p:cSld>
+  <p:clrMapOvr>
+    <a:masterClrMapping/>
+  </p:clrMapOvr>
+</p:sld>
+</file>
+
+<file path=ppt/slides/slide14.xml><?xml version="1.0" encoding="utf-8"?>
+<p:sld xmlns:a="http://schemas.openxmlformats.org/drawingml/2006/main" xmlns:r="http://schemas.openxmlformats.org/officeDocument/2006/relationships" xmlns:p="http://schemas.openxmlformats.org/presentationml/2006/main">
+  <p:cSld>
+    <p:spTree>
+      <p:nvGrpSpPr>
+        <p:cNvPr id="1" name=""/>
+        <p:cNvGrpSpPr/>
+        <p:nvPr/>
+      </p:nvGrpSpPr>
+      <p:grpSpPr>
+        <a:xfrm>
+          <a:off x="0" y="0"/>
+          <a:ext cx="0" cy="0"/>
+          <a:chOff x="0" y="0"/>
+          <a:chExt cx="0" cy="0"/>
+        </a:xfrm>
+      </p:grpSpPr>
+      <p:sp>
+        <p:nvSpPr>
+          <p:cNvPr id="2" name="標題 1">
+            <a:extLst>
+              <a:ext uri="{FF2B5EF4-FFF2-40B4-BE49-F238E27FC236}">
+                <a16:creationId xmlns:a16="http://schemas.microsoft.com/office/drawing/2014/main" id="{30A9FB5F-838B-1015-F302-6FF9D7AE9F38}"/>
+              </a:ext>
+            </a:extLst>
+          </p:cNvPr>
+          <p:cNvSpPr>
+            <a:spLocks noGrp="1"/>
+          </p:cNvSpPr>
+          <p:nvPr>
+            <p:ph type="title"/>
+          </p:nvPr>
+        </p:nvSpPr>
+        <p:spPr/>
+        <p:txBody>
+          <a:bodyPr/>
+          <a:lstStyle/>
+          <a:p>
+            <a:r>
+              <a:rPr lang="zh-TW" altLang="en-US">
+                <a:ea typeface="新細明體"/>
+                <a:cs typeface="Calibri Light"/>
+              </a:rPr>
+              <a:t>CQRS</a:t>
+            </a:r>
+            <a:endParaRPr lang="zh-TW" altLang="en-US"/>
+          </a:p>
+        </p:txBody>
+      </p:sp>
+      <p:sp>
+        <p:nvSpPr>
+          <p:cNvPr id="3" name="內容版面配置區 2">
+            <a:extLst>
+              <a:ext uri="{FF2B5EF4-FFF2-40B4-BE49-F238E27FC236}">
+                <a16:creationId xmlns:a16="http://schemas.microsoft.com/office/drawing/2014/main" id="{41F8F20F-032C-C411-4394-5D130515BBED}"/>
+              </a:ext>
+            </a:extLst>
+          </p:cNvPr>
+          <p:cNvSpPr>
+            <a:spLocks noGrp="1"/>
+          </p:cNvSpPr>
+          <p:nvPr>
+            <p:ph idx="1"/>
+          </p:nvPr>
+        </p:nvSpPr>
+        <p:spPr/>
+        <p:txBody>
+          <a:bodyPr/>
+          <a:lstStyle/>
+          <a:p>
+            <a:endParaRPr lang="zh-TW" altLang="en-US"/>
+          </a:p>
+        </p:txBody>
+      </p:sp>
+    </p:spTree>
+    <p:extLst>
+      <p:ext uri="{BB962C8B-B14F-4D97-AF65-F5344CB8AC3E}">
+        <p14:creationId xmlns:p14="http://schemas.microsoft.com/office/powerpoint/2010/main" val="1536103897"/>
+      </p:ext>
+    </p:extLst>
+  </p:cSld>
+  <p:clrMapOvr>
+    <a:masterClrMapping/>
+  </p:clrMapOvr>
+</p:sld>
+</file>
+
+<file path=ppt/slides/slide15.xml><?xml version="1.0" encoding="utf-8"?>
+<p:sld xmlns:a="http://schemas.openxmlformats.org/drawingml/2006/main" xmlns:r="http://schemas.openxmlformats.org/officeDocument/2006/relationships" xmlns:p="http://schemas.openxmlformats.org/presentationml/2006/main">
+  <p:cSld>
+    <p:spTree>
+      <p:nvGrpSpPr>
+        <p:cNvPr id="1" name=""/>
+        <p:cNvGrpSpPr/>
+        <p:nvPr/>
+      </p:nvGrpSpPr>
+      <p:grpSpPr>
+        <a:xfrm>
+          <a:off x="0" y="0"/>
+          <a:ext cx="0" cy="0"/>
+          <a:chOff x="0" y="0"/>
+          <a:chExt cx="0" cy="0"/>
+        </a:xfrm>
+      </p:grpSpPr>
+      <p:sp>
+        <p:nvSpPr>
+          <p:cNvPr id="2" name="標題 1">
+            <a:extLst>
+              <a:ext uri="{FF2B5EF4-FFF2-40B4-BE49-F238E27FC236}">
+                <a16:creationId xmlns:a16="http://schemas.microsoft.com/office/drawing/2014/main" id="{1B58145E-216A-F962-5A8D-9AC75B2581C9}"/>
+              </a:ext>
+            </a:extLst>
+          </p:cNvPr>
+          <p:cNvSpPr>
+            <a:spLocks noGrp="1"/>
+          </p:cNvSpPr>
+          <p:nvPr>
+            <p:ph type="title"/>
+          </p:nvPr>
+        </p:nvSpPr>
+        <p:spPr/>
+        <p:txBody>
+          <a:bodyPr/>
+          <a:lstStyle/>
+          <a:p>
+            <a:r>
+              <a:rPr lang="zh-TW">
+                <a:latin typeface="Calibri"/>
+                <a:cs typeface="Calibri"/>
+              </a:rPr>
+              <a:t>event driven bus</a:t>
+            </a:r>
+            <a:endParaRPr lang="zh-TW">
+              <a:ea typeface="+mj-lt"/>
+              <a:cs typeface="+mj-lt"/>
+            </a:endParaRPr>
+          </a:p>
+        </p:txBody>
+      </p:sp>
+      <p:sp>
+        <p:nvSpPr>
+          <p:cNvPr id="3" name="內容版面配置區 2">
+            <a:extLst>
+              <a:ext uri="{FF2B5EF4-FFF2-40B4-BE49-F238E27FC236}">
+                <a16:creationId xmlns:a16="http://schemas.microsoft.com/office/drawing/2014/main" id="{1622265F-61DF-D58E-C73C-4F50A814FD52}"/>
+              </a:ext>
+            </a:extLst>
+          </p:cNvPr>
+          <p:cNvSpPr>
+            <a:spLocks noGrp="1"/>
+          </p:cNvSpPr>
+          <p:nvPr>
+            <p:ph idx="1"/>
+          </p:nvPr>
+        </p:nvSpPr>
+        <p:spPr/>
+        <p:txBody>
+          <a:bodyPr/>
+          <a:lstStyle/>
+          <a:p>
+            <a:endParaRPr lang="zh-TW" altLang="en-US"/>
+          </a:p>
+        </p:txBody>
+      </p:sp>
+    </p:spTree>
+    <p:extLst>
+      <p:ext uri="{BB962C8B-B14F-4D97-AF65-F5344CB8AC3E}">
+        <p14:creationId xmlns:p14="http://schemas.microsoft.com/office/powerpoint/2010/main" val="2320045921"/>
+      </p:ext>
+    </p:extLst>
+  </p:cSld>
+  <p:clrMapOvr>
+    <a:masterClrMapping/>
+  </p:clrMapOvr>
+</p:sld>
+</file>
+
+<file path=ppt/slides/slide16.xml><?xml version="1.0" encoding="utf-8"?>
+<p:sld xmlns:a="http://schemas.openxmlformats.org/drawingml/2006/main" xmlns:r="http://schemas.openxmlformats.org/officeDocument/2006/relationships" xmlns:p="http://schemas.openxmlformats.org/presentationml/2006/main">
+  <p:cSld>
     <p:bg>
       <p:bgPr>
         <a:solidFill>
@@ -7786,7 +8173,7 @@
 </p:sld>
 </file>
 
-<file path=ppt/slides/slide13.xml><?xml version="1.0" encoding="utf-8"?>
+<file path=ppt/slides/slide17.xml><?xml version="1.0" encoding="utf-8"?>
 <p:sld xmlns:a="http://schemas.openxmlformats.org/drawingml/2006/main" xmlns:r="http://schemas.openxmlformats.org/officeDocument/2006/relationships" xmlns:p="http://schemas.openxmlformats.org/presentationml/2006/main">
   <p:cSld>
     <p:bg>
@@ -8511,7 +8898,7 @@
 </p:sld>
 </file>
 
-<file path=ppt/slides/slide14.xml><?xml version="1.0" encoding="utf-8"?>
+<file path=ppt/slides/slide18.xml><?xml version="1.0" encoding="utf-8"?>
 <p:sld xmlns:a="http://schemas.openxmlformats.org/drawingml/2006/main" xmlns:r="http://schemas.openxmlformats.org/officeDocument/2006/relationships" xmlns:p="http://schemas.openxmlformats.org/presentationml/2006/main">
   <p:cSld>
     <p:bg>
@@ -9283,7 +9670,7 @@
 </p:sld>
 </file>
 
-<file path=ppt/slides/slide15.xml><?xml version="1.0" encoding="utf-8"?>
+<file path=ppt/slides/slide19.xml><?xml version="1.0" encoding="utf-8"?>
 <p:sld xmlns:a="http://schemas.openxmlformats.org/drawingml/2006/main" xmlns:r="http://schemas.openxmlformats.org/officeDocument/2006/relationships" xmlns:p="http://schemas.openxmlformats.org/presentationml/2006/main">
   <p:cSld>
     <p:bg>
@@ -9755,487 +10142,6 @@
 </p:sld>
 </file>
 
-<file path=ppt/slides/slide16.xml><?xml version="1.0" encoding="utf-8"?>
-<p:sld xmlns:a="http://schemas.openxmlformats.org/drawingml/2006/main" xmlns:r="http://schemas.openxmlformats.org/officeDocument/2006/relationships" xmlns:p="http://schemas.openxmlformats.org/presentationml/2006/main">
-  <p:cSld>
-    <p:spTree>
-      <p:nvGrpSpPr>
-        <p:cNvPr id="1" name=""/>
-        <p:cNvGrpSpPr/>
-        <p:nvPr/>
-      </p:nvGrpSpPr>
-      <p:grpSpPr>
-        <a:xfrm>
-          <a:off x="0" y="0"/>
-          <a:ext cx="0" cy="0"/>
-          <a:chOff x="0" y="0"/>
-          <a:chExt cx="0" cy="0"/>
-        </a:xfrm>
-      </p:grpSpPr>
-      <p:sp>
-        <p:nvSpPr>
-          <p:cNvPr id="2" name="標題 1">
-            <a:extLst>
-              <a:ext uri="{FF2B5EF4-FFF2-40B4-BE49-F238E27FC236}">
-                <a16:creationId xmlns:a16="http://schemas.microsoft.com/office/drawing/2014/main" id="{B396B234-EF47-2126-A62F-F487C1489BF6}"/>
-              </a:ext>
-            </a:extLst>
-          </p:cNvPr>
-          <p:cNvSpPr>
-            <a:spLocks noGrp="1"/>
-          </p:cNvSpPr>
-          <p:nvPr>
-            <p:ph type="title"/>
-          </p:nvPr>
-        </p:nvSpPr>
-        <p:spPr/>
-        <p:txBody>
-          <a:bodyPr/>
-          <a:lstStyle/>
-          <a:p>
-            <a:pPr>
-              <a:spcBef>
-                <a:spcPts val="1000"/>
-              </a:spcBef>
-            </a:pPr>
-            <a:r>
-              <a:rPr lang="zh-TW">
-                <a:latin typeface="Calibri"/>
-                <a:cs typeface="Calibri"/>
-              </a:rPr>
-              <a:t>Client-to-Server commnunication</a:t>
-            </a:r>
-            <a:endParaRPr lang="en-US" altLang="zh-TW">
-              <a:ea typeface="+mj-lt"/>
-              <a:cs typeface="+mj-lt"/>
-            </a:endParaRPr>
-          </a:p>
-        </p:txBody>
-      </p:sp>
-      <p:sp>
-        <p:nvSpPr>
-          <p:cNvPr id="3" name="內容版面配置區 2">
-            <a:extLst>
-              <a:ext uri="{FF2B5EF4-FFF2-40B4-BE49-F238E27FC236}">
-                <a16:creationId xmlns:a16="http://schemas.microsoft.com/office/drawing/2014/main" id="{D47FC9B8-C5C1-D92C-4928-93F9F395AB39}"/>
-              </a:ext>
-            </a:extLst>
-          </p:cNvPr>
-          <p:cNvSpPr>
-            <a:spLocks noGrp="1"/>
-          </p:cNvSpPr>
-          <p:nvPr>
-            <p:ph idx="1"/>
-          </p:nvPr>
-        </p:nvSpPr>
-        <p:spPr/>
-        <p:txBody>
-          <a:bodyPr vert="horz" lIns="91440" tIns="45720" rIns="91440" bIns="45720" rtlCol="0" anchor="t">
-            <a:normAutofit/>
-          </a:bodyPr>
-          <a:lstStyle/>
-          <a:p>
-            <a:r>
-              <a:rPr lang="zh-TW" altLang="en-US">
-                <a:ea typeface="新細明體"/>
-                <a:cs typeface="Calibri"/>
-              </a:rPr>
-              <a:t>API Gateway</a:t>
-            </a:r>
-          </a:p>
-          <a:p>
-            <a:pPr lvl="1"/>
-            <a:r>
-              <a:rPr lang="zh-TW" altLang="en-US">
-                <a:ea typeface="新細明體"/>
-                <a:cs typeface="Calibri"/>
-              </a:rPr>
-              <a:t>An entry point from client to micro services</a:t>
-            </a:r>
-          </a:p>
-          <a:p>
-            <a:pPr lvl="1"/>
-            <a:r>
-              <a:rPr lang="zh-TW" altLang="en-US">
-                <a:ea typeface="新細明體"/>
-                <a:cs typeface="Calibri"/>
-              </a:rPr>
-              <a:t>Act like a reverse proxy that route requests to the desired micro service</a:t>
-            </a:r>
-            <a:endParaRPr lang="zh-TW" altLang="en-US" dirty="0">
-              <a:ea typeface="新細明體"/>
-              <a:cs typeface="Calibri"/>
-            </a:endParaRPr>
-          </a:p>
-          <a:p>
-            <a:r>
-              <a:rPr lang="zh-TW" altLang="en-US">
-                <a:ea typeface="新細明體"/>
-                <a:cs typeface="Calibri"/>
-              </a:rPr>
-              <a:t>Why API Gateway?</a:t>
-            </a:r>
-            <a:endParaRPr lang="zh-TW" altLang="en-US" dirty="0">
-              <a:ea typeface="新細明體"/>
-              <a:cs typeface="Calibri"/>
-            </a:endParaRPr>
-          </a:p>
-        </p:txBody>
-      </p:sp>
-    </p:spTree>
-    <p:extLst>
-      <p:ext uri="{BB962C8B-B14F-4D97-AF65-F5344CB8AC3E}">
-        <p14:creationId xmlns:p14="http://schemas.microsoft.com/office/powerpoint/2010/main" val="4201509961"/>
-      </p:ext>
-    </p:extLst>
-  </p:cSld>
-  <p:clrMapOvr>
-    <a:masterClrMapping/>
-  </p:clrMapOvr>
-</p:sld>
-</file>
-
-<file path=ppt/slides/slide17.xml><?xml version="1.0" encoding="utf-8"?>
-<p:sld xmlns:a="http://schemas.openxmlformats.org/drawingml/2006/main" xmlns:r="http://schemas.openxmlformats.org/officeDocument/2006/relationships" xmlns:p="http://schemas.openxmlformats.org/presentationml/2006/main">
-  <p:cSld>
-    <p:spTree>
-      <p:nvGrpSpPr>
-        <p:cNvPr id="1" name=""/>
-        <p:cNvGrpSpPr/>
-        <p:nvPr/>
-      </p:nvGrpSpPr>
-      <p:grpSpPr>
-        <a:xfrm>
-          <a:off x="0" y="0"/>
-          <a:ext cx="0" cy="0"/>
-          <a:chOff x="0" y="0"/>
-          <a:chExt cx="0" cy="0"/>
-        </a:xfrm>
-      </p:grpSpPr>
-      <p:sp>
-        <p:nvSpPr>
-          <p:cNvPr id="2" name="標題 1">
-            <a:extLst>
-              <a:ext uri="{FF2B5EF4-FFF2-40B4-BE49-F238E27FC236}">
-                <a16:creationId xmlns:a16="http://schemas.microsoft.com/office/drawing/2014/main" id="{F405375D-BD68-84E8-10CA-9DE97518FC76}"/>
-              </a:ext>
-            </a:extLst>
-          </p:cNvPr>
-          <p:cNvSpPr>
-            <a:spLocks noGrp="1"/>
-          </p:cNvSpPr>
-          <p:nvPr>
-            <p:ph type="title"/>
-          </p:nvPr>
-        </p:nvSpPr>
-        <p:spPr/>
-        <p:txBody>
-          <a:bodyPr/>
-          <a:lstStyle/>
-          <a:p>
-            <a:r>
-              <a:rPr lang="zh-TW" altLang="en-US">
-                <a:ea typeface="新細明體"/>
-                <a:cs typeface="Calibri Light"/>
-              </a:rPr>
-              <a:t>Service-to-Service communication</a:t>
-            </a:r>
-            <a:endParaRPr lang="zh-TW" altLang="en-US"/>
-          </a:p>
-        </p:txBody>
-      </p:sp>
-      <p:sp>
-        <p:nvSpPr>
-          <p:cNvPr id="3" name="內容版面配置區 2">
-            <a:extLst>
-              <a:ext uri="{FF2B5EF4-FFF2-40B4-BE49-F238E27FC236}">
-                <a16:creationId xmlns:a16="http://schemas.microsoft.com/office/drawing/2014/main" id="{3A4E710C-4F03-7869-3184-47895C9AC4FE}"/>
-              </a:ext>
-            </a:extLst>
-          </p:cNvPr>
-          <p:cNvSpPr>
-            <a:spLocks noGrp="1"/>
-          </p:cNvSpPr>
-          <p:nvPr>
-            <p:ph idx="1"/>
-          </p:nvPr>
-        </p:nvSpPr>
-        <p:spPr/>
-        <p:txBody>
-          <a:bodyPr vert="horz" lIns="91440" tIns="45720" rIns="91440" bIns="45720" rtlCol="0" anchor="t">
-            <a:normAutofit/>
-          </a:bodyPr>
-          <a:lstStyle/>
-          <a:p>
-            <a:r>
-              <a:rPr lang="zh-TW" altLang="en-US">
-                <a:ea typeface="新細明體"/>
-                <a:cs typeface="Calibri"/>
-              </a:rPr>
-              <a:t>Async and Event driven bus</a:t>
-            </a:r>
-          </a:p>
-          <a:p>
-            <a:endParaRPr lang="zh-TW" altLang="en-US" dirty="0">
-              <a:ea typeface="新細明體"/>
-              <a:cs typeface="Calibri"/>
-            </a:endParaRPr>
-          </a:p>
-        </p:txBody>
-      </p:sp>
-    </p:spTree>
-    <p:extLst>
-      <p:ext uri="{BB962C8B-B14F-4D97-AF65-F5344CB8AC3E}">
-        <p14:creationId xmlns:p14="http://schemas.microsoft.com/office/powerpoint/2010/main" val="2696318913"/>
-      </p:ext>
-    </p:extLst>
-  </p:cSld>
-  <p:clrMapOvr>
-    <a:masterClrMapping/>
-  </p:clrMapOvr>
-</p:sld>
-</file>
-
-<file path=ppt/slides/slide18.xml><?xml version="1.0" encoding="utf-8"?>
-<p:sld xmlns:a="http://schemas.openxmlformats.org/drawingml/2006/main" xmlns:r="http://schemas.openxmlformats.org/officeDocument/2006/relationships" xmlns:p="http://schemas.openxmlformats.org/presentationml/2006/main">
-  <p:cSld>
-    <p:spTree>
-      <p:nvGrpSpPr>
-        <p:cNvPr id="1" name=""/>
-        <p:cNvGrpSpPr/>
-        <p:nvPr/>
-      </p:nvGrpSpPr>
-      <p:grpSpPr>
-        <a:xfrm>
-          <a:off x="0" y="0"/>
-          <a:ext cx="0" cy="0"/>
-          <a:chOff x="0" y="0"/>
-          <a:chExt cx="0" cy="0"/>
-        </a:xfrm>
-      </p:grpSpPr>
-      <p:sp>
-        <p:nvSpPr>
-          <p:cNvPr id="2" name="標題 1">
-            <a:extLst>
-              <a:ext uri="{FF2B5EF4-FFF2-40B4-BE49-F238E27FC236}">
-                <a16:creationId xmlns:a16="http://schemas.microsoft.com/office/drawing/2014/main" id="{F405375D-BD68-84E8-10CA-9DE97518FC76}"/>
-              </a:ext>
-            </a:extLst>
-          </p:cNvPr>
-          <p:cNvSpPr>
-            <a:spLocks noGrp="1"/>
-          </p:cNvSpPr>
-          <p:nvPr>
-            <p:ph type="title"/>
-          </p:nvPr>
-        </p:nvSpPr>
-        <p:spPr/>
-        <p:txBody>
-          <a:bodyPr/>
-          <a:lstStyle/>
-          <a:p>
-            <a:r>
-              <a:rPr lang="zh-TW" altLang="en-US">
-                <a:ea typeface="新細明體"/>
-                <a:cs typeface="Calibri Light"/>
-              </a:rPr>
-              <a:t>Datamanagement</a:t>
-            </a:r>
-            <a:endParaRPr lang="zh-TW"/>
-          </a:p>
-        </p:txBody>
-      </p:sp>
-      <p:sp>
-        <p:nvSpPr>
-          <p:cNvPr id="3" name="內容版面配置區 2">
-            <a:extLst>
-              <a:ext uri="{FF2B5EF4-FFF2-40B4-BE49-F238E27FC236}">
-                <a16:creationId xmlns:a16="http://schemas.microsoft.com/office/drawing/2014/main" id="{3A4E710C-4F03-7869-3184-47895C9AC4FE}"/>
-              </a:ext>
-            </a:extLst>
-          </p:cNvPr>
-          <p:cNvSpPr>
-            <a:spLocks noGrp="1"/>
-          </p:cNvSpPr>
-          <p:nvPr>
-            <p:ph idx="1"/>
-          </p:nvPr>
-        </p:nvSpPr>
-        <p:spPr/>
-        <p:txBody>
-          <a:bodyPr vert="horz" lIns="91440" tIns="45720" rIns="91440" bIns="45720" rtlCol="0" anchor="t">
-            <a:normAutofit/>
-          </a:bodyPr>
-          <a:lstStyle/>
-          <a:p>
-            <a:r>
-              <a:rPr lang="zh-TW" altLang="en-US">
-                <a:ea typeface="新細明體"/>
-                <a:cs typeface="Calibri"/>
-              </a:rPr>
-              <a:t>Async and Event driven bus</a:t>
-            </a:r>
-          </a:p>
-          <a:p>
-            <a:r>
-              <a:rPr lang="zh-TW" altLang="en-US">
-                <a:ea typeface="新細明體"/>
-                <a:cs typeface="Calibri"/>
-              </a:rPr>
-              <a:t>CQRS Pattern(</a:t>
-            </a:r>
-            <a:r>
-              <a:rPr lang="zh-TW">
-                <a:ea typeface="+mn-lt"/>
-                <a:cs typeface="+mn-lt"/>
-              </a:rPr>
-              <a:t>Command Query Responsibility Segregation</a:t>
-            </a:r>
-            <a:r>
-              <a:rPr lang="zh-TW" altLang="en-US">
-                <a:ea typeface="新細明體"/>
-                <a:cs typeface="Calibri"/>
-              </a:rPr>
-              <a:t>)</a:t>
-            </a:r>
-            <a:endParaRPr lang="zh-TW" altLang="en-US" dirty="0">
-              <a:ea typeface="新細明體"/>
-              <a:cs typeface="Calibri"/>
-            </a:endParaRPr>
-          </a:p>
-          <a:p>
-            <a:r>
-              <a:rPr lang="zh-TW" altLang="en-US">
-                <a:ea typeface="新細明體"/>
-                <a:cs typeface="Calibri"/>
-              </a:rPr>
-              <a:t>Event sourcing pattern</a:t>
-            </a:r>
-            <a:endParaRPr lang="zh-TW" altLang="en-US" dirty="0">
-              <a:ea typeface="新細明體"/>
-              <a:cs typeface="Calibri"/>
-            </a:endParaRPr>
-          </a:p>
-          <a:p>
-            <a:r>
-              <a:rPr lang="zh-TW" altLang="en-US">
-                <a:ea typeface="新細明體"/>
-                <a:cs typeface="Calibri"/>
-              </a:rPr>
-              <a:t>SAGA pattern</a:t>
-            </a:r>
-          </a:p>
-        </p:txBody>
-      </p:sp>
-    </p:spTree>
-    <p:extLst>
-      <p:ext uri="{BB962C8B-B14F-4D97-AF65-F5344CB8AC3E}">
-        <p14:creationId xmlns:p14="http://schemas.microsoft.com/office/powerpoint/2010/main" val="3565723631"/>
-      </p:ext>
-    </p:extLst>
-  </p:cSld>
-  <p:clrMapOvr>
-    <a:masterClrMapping/>
-  </p:clrMapOvr>
-</p:sld>
-</file>
-
-<file path=ppt/slides/slide19.xml><?xml version="1.0" encoding="utf-8"?>
-<p:sld xmlns:a="http://schemas.openxmlformats.org/drawingml/2006/main" xmlns:r="http://schemas.openxmlformats.org/officeDocument/2006/relationships" xmlns:p="http://schemas.openxmlformats.org/presentationml/2006/main">
-  <p:cSld>
-    <p:spTree>
-      <p:nvGrpSpPr>
-        <p:cNvPr id="1" name=""/>
-        <p:cNvGrpSpPr/>
-        <p:nvPr/>
-      </p:nvGrpSpPr>
-      <p:grpSpPr>
-        <a:xfrm>
-          <a:off x="0" y="0"/>
-          <a:ext cx="0" cy="0"/>
-          <a:chOff x="0" y="0"/>
-          <a:chExt cx="0" cy="0"/>
-        </a:xfrm>
-      </p:grpSpPr>
-      <p:sp>
-        <p:nvSpPr>
-          <p:cNvPr id="2" name="標題 1">
-            <a:extLst>
-              <a:ext uri="{FF2B5EF4-FFF2-40B4-BE49-F238E27FC236}">
-                <a16:creationId xmlns:a16="http://schemas.microsoft.com/office/drawing/2014/main" id="{7DB17B9D-0BFB-09CB-A52E-5BE08B97B87B}"/>
-              </a:ext>
-            </a:extLst>
-          </p:cNvPr>
-          <p:cNvSpPr>
-            <a:spLocks noGrp="1"/>
-          </p:cNvSpPr>
-          <p:nvPr>
-            <p:ph type="title"/>
-          </p:nvPr>
-        </p:nvSpPr>
-        <p:spPr/>
-        <p:txBody>
-          <a:bodyPr/>
-          <a:lstStyle/>
-          <a:p>
-            <a:r>
-              <a:rPr lang="zh-TW" altLang="en-US">
-                <a:ea typeface="新細明體"/>
-                <a:cs typeface="Calibri Light"/>
-              </a:rPr>
-              <a:t>Turn to the DSC services</a:t>
-            </a:r>
-            <a:endParaRPr lang="zh-TW" altLang="en-US"/>
-          </a:p>
-        </p:txBody>
-      </p:sp>
-      <p:sp>
-        <p:nvSpPr>
-          <p:cNvPr id="3" name="內容版面配置區 2">
-            <a:extLst>
-              <a:ext uri="{FF2B5EF4-FFF2-40B4-BE49-F238E27FC236}">
-                <a16:creationId xmlns:a16="http://schemas.microsoft.com/office/drawing/2014/main" id="{A0187967-3ED3-A1FE-A7A3-74631885B218}"/>
-              </a:ext>
-            </a:extLst>
-          </p:cNvPr>
-          <p:cNvSpPr>
-            <a:spLocks noGrp="1"/>
-          </p:cNvSpPr>
-          <p:nvPr>
-            <p:ph idx="1"/>
-          </p:nvPr>
-        </p:nvSpPr>
-        <p:spPr/>
-        <p:txBody>
-          <a:bodyPr vert="horz" lIns="91440" tIns="45720" rIns="91440" bIns="45720" rtlCol="0" anchor="t">
-            <a:normAutofit/>
-          </a:bodyPr>
-          <a:lstStyle/>
-          <a:p>
-            <a:r>
-              <a:rPr lang="zh-TW" altLang="en-US">
-                <a:ea typeface="新細明體"/>
-                <a:cs typeface="Calibri"/>
-              </a:rPr>
-              <a:t>Perhaps we </a:t>
-            </a:r>
-            <a:endParaRPr lang="zh-TW" altLang="en-US"/>
-          </a:p>
-        </p:txBody>
-      </p:sp>
-    </p:spTree>
-    <p:extLst>
-      <p:ext uri="{BB962C8B-B14F-4D97-AF65-F5344CB8AC3E}">
-        <p14:creationId xmlns:p14="http://schemas.microsoft.com/office/powerpoint/2010/main" val="956151996"/>
-      </p:ext>
-    </p:extLst>
-  </p:cSld>
-  <p:clrMapOvr>
-    <a:masterClrMapping/>
-  </p:clrMapOvr>
-</p:sld>
-</file>
-
 <file path=ppt/slides/slide2.xml><?xml version="1.0" encoding="utf-8"?>
 <p:sld xmlns:a="http://schemas.openxmlformats.org/drawingml/2006/main" xmlns:r="http://schemas.openxmlformats.org/officeDocument/2006/relationships" xmlns:p="http://schemas.openxmlformats.org/presentationml/2006/main">
   <p:cSld>
@@ -10314,6 +10220,487 @@
     <p:extLst>
       <p:ext uri="{BB962C8B-B14F-4D97-AF65-F5344CB8AC3E}">
         <p14:creationId xmlns:p14="http://schemas.microsoft.com/office/powerpoint/2010/main" val="2975102365"/>
+      </p:ext>
+    </p:extLst>
+  </p:cSld>
+  <p:clrMapOvr>
+    <a:masterClrMapping/>
+  </p:clrMapOvr>
+</p:sld>
+</file>
+
+<file path=ppt/slides/slide20.xml><?xml version="1.0" encoding="utf-8"?>
+<p:sld xmlns:a="http://schemas.openxmlformats.org/drawingml/2006/main" xmlns:r="http://schemas.openxmlformats.org/officeDocument/2006/relationships" xmlns:p="http://schemas.openxmlformats.org/presentationml/2006/main">
+  <p:cSld>
+    <p:spTree>
+      <p:nvGrpSpPr>
+        <p:cNvPr id="1" name=""/>
+        <p:cNvGrpSpPr/>
+        <p:nvPr/>
+      </p:nvGrpSpPr>
+      <p:grpSpPr>
+        <a:xfrm>
+          <a:off x="0" y="0"/>
+          <a:ext cx="0" cy="0"/>
+          <a:chOff x="0" y="0"/>
+          <a:chExt cx="0" cy="0"/>
+        </a:xfrm>
+      </p:grpSpPr>
+      <p:sp>
+        <p:nvSpPr>
+          <p:cNvPr id="2" name="標題 1">
+            <a:extLst>
+              <a:ext uri="{FF2B5EF4-FFF2-40B4-BE49-F238E27FC236}">
+                <a16:creationId xmlns:a16="http://schemas.microsoft.com/office/drawing/2014/main" id="{B396B234-EF47-2126-A62F-F487C1489BF6}"/>
+              </a:ext>
+            </a:extLst>
+          </p:cNvPr>
+          <p:cNvSpPr>
+            <a:spLocks noGrp="1"/>
+          </p:cNvSpPr>
+          <p:nvPr>
+            <p:ph type="title"/>
+          </p:nvPr>
+        </p:nvSpPr>
+        <p:spPr/>
+        <p:txBody>
+          <a:bodyPr/>
+          <a:lstStyle/>
+          <a:p>
+            <a:pPr>
+              <a:spcBef>
+                <a:spcPts val="1000"/>
+              </a:spcBef>
+            </a:pPr>
+            <a:r>
+              <a:rPr lang="zh-TW">
+                <a:latin typeface="Calibri"/>
+                <a:cs typeface="Calibri"/>
+              </a:rPr>
+              <a:t>Client-to-Server commnunication</a:t>
+            </a:r>
+            <a:endParaRPr lang="en-US" altLang="zh-TW">
+              <a:ea typeface="+mj-lt"/>
+              <a:cs typeface="+mj-lt"/>
+            </a:endParaRPr>
+          </a:p>
+        </p:txBody>
+      </p:sp>
+      <p:sp>
+        <p:nvSpPr>
+          <p:cNvPr id="3" name="內容版面配置區 2">
+            <a:extLst>
+              <a:ext uri="{FF2B5EF4-FFF2-40B4-BE49-F238E27FC236}">
+                <a16:creationId xmlns:a16="http://schemas.microsoft.com/office/drawing/2014/main" id="{D47FC9B8-C5C1-D92C-4928-93F9F395AB39}"/>
+              </a:ext>
+            </a:extLst>
+          </p:cNvPr>
+          <p:cNvSpPr>
+            <a:spLocks noGrp="1"/>
+          </p:cNvSpPr>
+          <p:nvPr>
+            <p:ph idx="1"/>
+          </p:nvPr>
+        </p:nvSpPr>
+        <p:spPr/>
+        <p:txBody>
+          <a:bodyPr vert="horz" lIns="91440" tIns="45720" rIns="91440" bIns="45720" rtlCol="0" anchor="t">
+            <a:normAutofit/>
+          </a:bodyPr>
+          <a:lstStyle/>
+          <a:p>
+            <a:r>
+              <a:rPr lang="zh-TW" altLang="en-US">
+                <a:ea typeface="新細明體"/>
+                <a:cs typeface="Calibri"/>
+              </a:rPr>
+              <a:t>API Gateway</a:t>
+            </a:r>
+          </a:p>
+          <a:p>
+            <a:pPr lvl="1"/>
+            <a:r>
+              <a:rPr lang="zh-TW" altLang="en-US">
+                <a:ea typeface="新細明體"/>
+                <a:cs typeface="Calibri"/>
+              </a:rPr>
+              <a:t>An entry point from client to micro services</a:t>
+            </a:r>
+          </a:p>
+          <a:p>
+            <a:pPr lvl="1"/>
+            <a:r>
+              <a:rPr lang="zh-TW" altLang="en-US">
+                <a:ea typeface="新細明體"/>
+                <a:cs typeface="Calibri"/>
+              </a:rPr>
+              <a:t>Act like a reverse proxy that route requests to the desired micro service</a:t>
+            </a:r>
+            <a:endParaRPr lang="zh-TW" altLang="en-US" dirty="0">
+              <a:ea typeface="新細明體"/>
+              <a:cs typeface="Calibri"/>
+            </a:endParaRPr>
+          </a:p>
+          <a:p>
+            <a:r>
+              <a:rPr lang="zh-TW" altLang="en-US">
+                <a:ea typeface="新細明體"/>
+                <a:cs typeface="Calibri"/>
+              </a:rPr>
+              <a:t>Why API Gateway?</a:t>
+            </a:r>
+            <a:endParaRPr lang="zh-TW" altLang="en-US" dirty="0">
+              <a:ea typeface="新細明體"/>
+              <a:cs typeface="Calibri"/>
+            </a:endParaRPr>
+          </a:p>
+        </p:txBody>
+      </p:sp>
+    </p:spTree>
+    <p:extLst>
+      <p:ext uri="{BB962C8B-B14F-4D97-AF65-F5344CB8AC3E}">
+        <p14:creationId xmlns:p14="http://schemas.microsoft.com/office/powerpoint/2010/main" val="4201509961"/>
+      </p:ext>
+    </p:extLst>
+  </p:cSld>
+  <p:clrMapOvr>
+    <a:masterClrMapping/>
+  </p:clrMapOvr>
+</p:sld>
+</file>
+
+<file path=ppt/slides/slide21.xml><?xml version="1.0" encoding="utf-8"?>
+<p:sld xmlns:a="http://schemas.openxmlformats.org/drawingml/2006/main" xmlns:r="http://schemas.openxmlformats.org/officeDocument/2006/relationships" xmlns:p="http://schemas.openxmlformats.org/presentationml/2006/main">
+  <p:cSld>
+    <p:spTree>
+      <p:nvGrpSpPr>
+        <p:cNvPr id="1" name=""/>
+        <p:cNvGrpSpPr/>
+        <p:nvPr/>
+      </p:nvGrpSpPr>
+      <p:grpSpPr>
+        <a:xfrm>
+          <a:off x="0" y="0"/>
+          <a:ext cx="0" cy="0"/>
+          <a:chOff x="0" y="0"/>
+          <a:chExt cx="0" cy="0"/>
+        </a:xfrm>
+      </p:grpSpPr>
+      <p:sp>
+        <p:nvSpPr>
+          <p:cNvPr id="2" name="標題 1">
+            <a:extLst>
+              <a:ext uri="{FF2B5EF4-FFF2-40B4-BE49-F238E27FC236}">
+                <a16:creationId xmlns:a16="http://schemas.microsoft.com/office/drawing/2014/main" id="{F405375D-BD68-84E8-10CA-9DE97518FC76}"/>
+              </a:ext>
+            </a:extLst>
+          </p:cNvPr>
+          <p:cNvSpPr>
+            <a:spLocks noGrp="1"/>
+          </p:cNvSpPr>
+          <p:nvPr>
+            <p:ph type="title"/>
+          </p:nvPr>
+        </p:nvSpPr>
+        <p:spPr/>
+        <p:txBody>
+          <a:bodyPr/>
+          <a:lstStyle/>
+          <a:p>
+            <a:r>
+              <a:rPr lang="zh-TW" altLang="en-US">
+                <a:ea typeface="新細明體"/>
+                <a:cs typeface="Calibri Light"/>
+              </a:rPr>
+              <a:t>Service-to-Service communication</a:t>
+            </a:r>
+            <a:endParaRPr lang="zh-TW" altLang="en-US"/>
+          </a:p>
+        </p:txBody>
+      </p:sp>
+      <p:sp>
+        <p:nvSpPr>
+          <p:cNvPr id="3" name="內容版面配置區 2">
+            <a:extLst>
+              <a:ext uri="{FF2B5EF4-FFF2-40B4-BE49-F238E27FC236}">
+                <a16:creationId xmlns:a16="http://schemas.microsoft.com/office/drawing/2014/main" id="{3A4E710C-4F03-7869-3184-47895C9AC4FE}"/>
+              </a:ext>
+            </a:extLst>
+          </p:cNvPr>
+          <p:cNvSpPr>
+            <a:spLocks noGrp="1"/>
+          </p:cNvSpPr>
+          <p:nvPr>
+            <p:ph idx="1"/>
+          </p:nvPr>
+        </p:nvSpPr>
+        <p:spPr/>
+        <p:txBody>
+          <a:bodyPr vert="horz" lIns="91440" tIns="45720" rIns="91440" bIns="45720" rtlCol="0" anchor="t">
+            <a:normAutofit/>
+          </a:bodyPr>
+          <a:lstStyle/>
+          <a:p>
+            <a:r>
+              <a:rPr lang="zh-TW" altLang="en-US">
+                <a:ea typeface="新細明體"/>
+                <a:cs typeface="Calibri"/>
+              </a:rPr>
+              <a:t>Async and Event driven bus</a:t>
+            </a:r>
+          </a:p>
+          <a:p>
+            <a:endParaRPr lang="zh-TW" altLang="en-US" dirty="0">
+              <a:ea typeface="新細明體"/>
+              <a:cs typeface="Calibri"/>
+            </a:endParaRPr>
+          </a:p>
+        </p:txBody>
+      </p:sp>
+    </p:spTree>
+    <p:extLst>
+      <p:ext uri="{BB962C8B-B14F-4D97-AF65-F5344CB8AC3E}">
+        <p14:creationId xmlns:p14="http://schemas.microsoft.com/office/powerpoint/2010/main" val="2696318913"/>
+      </p:ext>
+    </p:extLst>
+  </p:cSld>
+  <p:clrMapOvr>
+    <a:masterClrMapping/>
+  </p:clrMapOvr>
+</p:sld>
+</file>
+
+<file path=ppt/slides/slide22.xml><?xml version="1.0" encoding="utf-8"?>
+<p:sld xmlns:a="http://schemas.openxmlformats.org/drawingml/2006/main" xmlns:r="http://schemas.openxmlformats.org/officeDocument/2006/relationships" xmlns:p="http://schemas.openxmlformats.org/presentationml/2006/main">
+  <p:cSld>
+    <p:spTree>
+      <p:nvGrpSpPr>
+        <p:cNvPr id="1" name=""/>
+        <p:cNvGrpSpPr/>
+        <p:nvPr/>
+      </p:nvGrpSpPr>
+      <p:grpSpPr>
+        <a:xfrm>
+          <a:off x="0" y="0"/>
+          <a:ext cx="0" cy="0"/>
+          <a:chOff x="0" y="0"/>
+          <a:chExt cx="0" cy="0"/>
+        </a:xfrm>
+      </p:grpSpPr>
+      <p:sp>
+        <p:nvSpPr>
+          <p:cNvPr id="2" name="標題 1">
+            <a:extLst>
+              <a:ext uri="{FF2B5EF4-FFF2-40B4-BE49-F238E27FC236}">
+                <a16:creationId xmlns:a16="http://schemas.microsoft.com/office/drawing/2014/main" id="{F405375D-BD68-84E8-10CA-9DE97518FC76}"/>
+              </a:ext>
+            </a:extLst>
+          </p:cNvPr>
+          <p:cNvSpPr>
+            <a:spLocks noGrp="1"/>
+          </p:cNvSpPr>
+          <p:nvPr>
+            <p:ph type="title"/>
+          </p:nvPr>
+        </p:nvSpPr>
+        <p:spPr/>
+        <p:txBody>
+          <a:bodyPr/>
+          <a:lstStyle/>
+          <a:p>
+            <a:r>
+              <a:rPr lang="zh-TW" altLang="en-US">
+                <a:ea typeface="新細明體"/>
+                <a:cs typeface="Calibri Light"/>
+              </a:rPr>
+              <a:t>Datamanagement</a:t>
+            </a:r>
+            <a:endParaRPr lang="zh-TW"/>
+          </a:p>
+        </p:txBody>
+      </p:sp>
+      <p:sp>
+        <p:nvSpPr>
+          <p:cNvPr id="3" name="內容版面配置區 2">
+            <a:extLst>
+              <a:ext uri="{FF2B5EF4-FFF2-40B4-BE49-F238E27FC236}">
+                <a16:creationId xmlns:a16="http://schemas.microsoft.com/office/drawing/2014/main" id="{3A4E710C-4F03-7869-3184-47895C9AC4FE}"/>
+              </a:ext>
+            </a:extLst>
+          </p:cNvPr>
+          <p:cNvSpPr>
+            <a:spLocks noGrp="1"/>
+          </p:cNvSpPr>
+          <p:nvPr>
+            <p:ph idx="1"/>
+          </p:nvPr>
+        </p:nvSpPr>
+        <p:spPr/>
+        <p:txBody>
+          <a:bodyPr vert="horz" lIns="91440" tIns="45720" rIns="91440" bIns="45720" rtlCol="0" anchor="t">
+            <a:normAutofit/>
+          </a:bodyPr>
+          <a:lstStyle/>
+          <a:p>
+            <a:r>
+              <a:rPr lang="zh-TW" altLang="en-US">
+                <a:ea typeface="新細明體"/>
+                <a:cs typeface="Calibri"/>
+              </a:rPr>
+              <a:t>Async and Event driven bus</a:t>
+            </a:r>
+          </a:p>
+          <a:p>
+            <a:r>
+              <a:rPr lang="zh-TW" altLang="en-US">
+                <a:ea typeface="新細明體"/>
+                <a:cs typeface="Calibri"/>
+              </a:rPr>
+              <a:t>CQRS Pattern(</a:t>
+            </a:r>
+            <a:r>
+              <a:rPr lang="zh-TW">
+                <a:ea typeface="+mn-lt"/>
+                <a:cs typeface="+mn-lt"/>
+              </a:rPr>
+              <a:t>Command Query Responsibility Segregation</a:t>
+            </a:r>
+            <a:r>
+              <a:rPr lang="zh-TW" altLang="en-US">
+                <a:ea typeface="新細明體"/>
+                <a:cs typeface="Calibri"/>
+              </a:rPr>
+              <a:t>)</a:t>
+            </a:r>
+            <a:endParaRPr lang="zh-TW" altLang="en-US" dirty="0">
+              <a:ea typeface="新細明體"/>
+              <a:cs typeface="Calibri"/>
+            </a:endParaRPr>
+          </a:p>
+          <a:p>
+            <a:r>
+              <a:rPr lang="zh-TW" altLang="en-US">
+                <a:ea typeface="新細明體"/>
+                <a:cs typeface="Calibri"/>
+              </a:rPr>
+              <a:t>Event sourcing pattern</a:t>
+            </a:r>
+            <a:endParaRPr lang="zh-TW" altLang="en-US" dirty="0">
+              <a:ea typeface="新細明體"/>
+              <a:cs typeface="Calibri"/>
+            </a:endParaRPr>
+          </a:p>
+          <a:p>
+            <a:r>
+              <a:rPr lang="zh-TW" altLang="en-US">
+                <a:ea typeface="新細明體"/>
+                <a:cs typeface="Calibri"/>
+              </a:rPr>
+              <a:t>SAGA pattern</a:t>
+            </a:r>
+          </a:p>
+        </p:txBody>
+      </p:sp>
+    </p:spTree>
+    <p:extLst>
+      <p:ext uri="{BB962C8B-B14F-4D97-AF65-F5344CB8AC3E}">
+        <p14:creationId xmlns:p14="http://schemas.microsoft.com/office/powerpoint/2010/main" val="3565723631"/>
+      </p:ext>
+    </p:extLst>
+  </p:cSld>
+  <p:clrMapOvr>
+    <a:masterClrMapping/>
+  </p:clrMapOvr>
+</p:sld>
+</file>
+
+<file path=ppt/slides/slide23.xml><?xml version="1.0" encoding="utf-8"?>
+<p:sld xmlns:a="http://schemas.openxmlformats.org/drawingml/2006/main" xmlns:r="http://schemas.openxmlformats.org/officeDocument/2006/relationships" xmlns:p="http://schemas.openxmlformats.org/presentationml/2006/main">
+  <p:cSld>
+    <p:spTree>
+      <p:nvGrpSpPr>
+        <p:cNvPr id="1" name=""/>
+        <p:cNvGrpSpPr/>
+        <p:nvPr/>
+      </p:nvGrpSpPr>
+      <p:grpSpPr>
+        <a:xfrm>
+          <a:off x="0" y="0"/>
+          <a:ext cx="0" cy="0"/>
+          <a:chOff x="0" y="0"/>
+          <a:chExt cx="0" cy="0"/>
+        </a:xfrm>
+      </p:grpSpPr>
+      <p:sp>
+        <p:nvSpPr>
+          <p:cNvPr id="2" name="標題 1">
+            <a:extLst>
+              <a:ext uri="{FF2B5EF4-FFF2-40B4-BE49-F238E27FC236}">
+                <a16:creationId xmlns:a16="http://schemas.microsoft.com/office/drawing/2014/main" id="{7DB17B9D-0BFB-09CB-A52E-5BE08B97B87B}"/>
+              </a:ext>
+            </a:extLst>
+          </p:cNvPr>
+          <p:cNvSpPr>
+            <a:spLocks noGrp="1"/>
+          </p:cNvSpPr>
+          <p:nvPr>
+            <p:ph type="title"/>
+          </p:nvPr>
+        </p:nvSpPr>
+        <p:spPr/>
+        <p:txBody>
+          <a:bodyPr/>
+          <a:lstStyle/>
+          <a:p>
+            <a:r>
+              <a:rPr lang="zh-TW" altLang="en-US">
+                <a:ea typeface="新細明體"/>
+                <a:cs typeface="Calibri Light"/>
+              </a:rPr>
+              <a:t>Turn to the DSC services</a:t>
+            </a:r>
+            <a:endParaRPr lang="zh-TW" altLang="en-US"/>
+          </a:p>
+        </p:txBody>
+      </p:sp>
+      <p:sp>
+        <p:nvSpPr>
+          <p:cNvPr id="3" name="內容版面配置區 2">
+            <a:extLst>
+              <a:ext uri="{FF2B5EF4-FFF2-40B4-BE49-F238E27FC236}">
+                <a16:creationId xmlns:a16="http://schemas.microsoft.com/office/drawing/2014/main" id="{A0187967-3ED3-A1FE-A7A3-74631885B218}"/>
+              </a:ext>
+            </a:extLst>
+          </p:cNvPr>
+          <p:cNvSpPr>
+            <a:spLocks noGrp="1"/>
+          </p:cNvSpPr>
+          <p:nvPr>
+            <p:ph idx="1"/>
+          </p:nvPr>
+        </p:nvSpPr>
+        <p:spPr/>
+        <p:txBody>
+          <a:bodyPr vert="horz" lIns="91440" tIns="45720" rIns="91440" bIns="45720" rtlCol="0" anchor="t">
+            <a:normAutofit/>
+          </a:bodyPr>
+          <a:lstStyle/>
+          <a:p>
+            <a:r>
+              <a:rPr lang="zh-TW" altLang="en-US">
+                <a:ea typeface="新細明體"/>
+                <a:cs typeface="Calibri"/>
+              </a:rPr>
+              <a:t>Perhaps we </a:t>
+            </a:r>
+            <a:endParaRPr lang="zh-TW" altLang="en-US"/>
+          </a:p>
+        </p:txBody>
+      </p:sp>
+    </p:spTree>
+    <p:extLst>
+      <p:ext uri="{BB962C8B-B14F-4D97-AF65-F5344CB8AC3E}">
+        <p14:creationId xmlns:p14="http://schemas.microsoft.com/office/powerpoint/2010/main" val="956151996"/>
       </p:ext>
     </p:extLst>
   </p:cSld>
